--- a/문서/Team Oldman.pptx
+++ b/문서/Team Oldman.pptx
@@ -10,7 +10,11 @@
     <p:sldId id="257" r:id="rId4"/>
     <p:sldId id="307" r:id="rId5"/>
     <p:sldId id="308" r:id="rId6"/>
-    <p:sldId id="309" r:id="rId7"/>
+    <p:sldId id="313" r:id="rId7"/>
+    <p:sldId id="309" r:id="rId8"/>
+    <p:sldId id="310" r:id="rId9"/>
+    <p:sldId id="311" r:id="rId10"/>
+    <p:sldId id="312" r:id="rId11"/>
   </p:sldIdLst>
   <p:sldSz cx="12192000" cy="6858000"/>
   <p:notesSz cx="6858000" cy="9144000"/>
@@ -3487,6 +3491,234 @@
     <p:extLst>
       <p:ext uri="{BB962C8B-B14F-4D97-AF65-F5344CB8AC3E}">
         <p14:creationId xmlns:p14="http://schemas.microsoft.com/office/powerpoint/2010/main" val="1304602324"/>
+      </p:ext>
+    </p:extLst>
+  </p:cSld>
+  <p:clrMapOvr>
+    <a:masterClrMapping/>
+  </p:clrMapOvr>
+</p:sld>
+</file>
+
+<file path=ppt/slides/slide10.xml><?xml version="1.0" encoding="utf-8"?>
+<p:sld xmlns:a="http://schemas.openxmlformats.org/drawingml/2006/main" xmlns:r="http://schemas.openxmlformats.org/officeDocument/2006/relationships" xmlns:p="http://schemas.openxmlformats.org/presentationml/2006/main">
+  <p:cSld>
+    <p:spTree>
+      <p:nvGrpSpPr>
+        <p:cNvPr id="1" name=""/>
+        <p:cNvGrpSpPr/>
+        <p:nvPr/>
+      </p:nvGrpSpPr>
+      <p:grpSpPr>
+        <a:xfrm>
+          <a:off x="0" y="0"/>
+          <a:ext cx="0" cy="0"/>
+          <a:chOff x="0" y="0"/>
+          <a:chExt cx="0" cy="0"/>
+        </a:xfrm>
+      </p:grpSpPr>
+      <p:sp>
+        <p:nvSpPr>
+          <p:cNvPr id="2" name="제목 1">
+            <a:extLst>
+              <a:ext uri="{FF2B5EF4-FFF2-40B4-BE49-F238E27FC236}">
+                <a16:creationId xmlns:a16="http://schemas.microsoft.com/office/drawing/2014/main" id="{9E52036E-B327-40B0-9418-FDF87FD999A9}"/>
+              </a:ext>
+            </a:extLst>
+          </p:cNvPr>
+          <p:cNvSpPr>
+            <a:spLocks noGrp="1"/>
+          </p:cNvSpPr>
+          <p:nvPr>
+            <p:ph type="title"/>
+          </p:nvPr>
+        </p:nvSpPr>
+        <p:spPr/>
+        <p:txBody>
+          <a:bodyPr/>
+          <a:lstStyle/>
+          <a:p>
+            <a:r>
+              <a:rPr lang="en-US" altLang="ko-KR" dirty="0"/>
+              <a:t>4.	</a:t>
+            </a:r>
+            <a:r>
+              <a:rPr lang="ko-KR" altLang="en-US" dirty="0"/>
+              <a:t>코드분석</a:t>
+            </a:r>
+          </a:p>
+        </p:txBody>
+      </p:sp>
+      <p:sp>
+        <p:nvSpPr>
+          <p:cNvPr id="3" name="내용 개체 틀 2">
+            <a:extLst>
+              <a:ext uri="{FF2B5EF4-FFF2-40B4-BE49-F238E27FC236}">
+                <a16:creationId xmlns:a16="http://schemas.microsoft.com/office/drawing/2014/main" id="{E5482F94-4DB6-418D-9CD2-123AB64A3637}"/>
+              </a:ext>
+            </a:extLst>
+          </p:cNvPr>
+          <p:cNvSpPr>
+            <a:spLocks noGrp="1"/>
+          </p:cNvSpPr>
+          <p:nvPr>
+            <p:ph idx="1"/>
+          </p:nvPr>
+        </p:nvSpPr>
+        <p:spPr>
+          <a:xfrm>
+            <a:off x="838200" y="1825625"/>
+            <a:ext cx="4807998" cy="4351338"/>
+          </a:xfrm>
+        </p:spPr>
+        <p:txBody>
+          <a:bodyPr>
+            <a:normAutofit/>
+          </a:bodyPr>
+          <a:lstStyle/>
+          <a:p>
+            <a:pPr marL="457200" lvl="1" indent="0" fontAlgn="base">
+              <a:buNone/>
+            </a:pPr>
+            <a:endParaRPr lang="en-US" altLang="ko-KR" sz="2000" dirty="0"/>
+          </a:p>
+          <a:p>
+            <a:pPr marL="457200" lvl="1" indent="0" fontAlgn="base">
+              <a:buNone/>
+            </a:pPr>
+            <a:r>
+              <a:rPr lang="en-US" altLang="ko-KR" sz="2000" dirty="0" err="1"/>
+              <a:t>Game_end</a:t>
+            </a:r>
+            <a:r>
+              <a:rPr lang="en-US" altLang="ko-KR" sz="2000" dirty="0"/>
+              <a:t> </a:t>
+            </a:r>
+            <a:r>
+              <a:rPr lang="ko-KR" altLang="en-US" sz="2000" dirty="0"/>
+              <a:t>함수</a:t>
+            </a:r>
+            <a:endParaRPr lang="en-US" altLang="ko-KR" sz="2000" dirty="0"/>
+          </a:p>
+          <a:p>
+            <a:pPr marL="457200" lvl="1" indent="0" fontAlgn="base">
+              <a:buNone/>
+            </a:pPr>
+            <a:endParaRPr lang="en-US" altLang="ko-KR" sz="2000" dirty="0"/>
+          </a:p>
+          <a:p>
+            <a:pPr marL="457200" lvl="1" indent="0" fontAlgn="base">
+              <a:buNone/>
+            </a:pPr>
+            <a:r>
+              <a:rPr lang="ko-KR" altLang="en-US" sz="2000" dirty="0"/>
+              <a:t>충돌 판정으로 주인공 사망 시 쓰레드 종료 후 메인 함수 마지막에 호출 되어 플레이 타임에 따라 학점을 나누어서 결과를 출력 후 게임 종료</a:t>
+            </a:r>
+            <a:endParaRPr lang="en-US" altLang="ko-KR" sz="2000" dirty="0"/>
+          </a:p>
+        </p:txBody>
+      </p:sp>
+      <p:sp>
+        <p:nvSpPr>
+          <p:cNvPr id="5" name="액자 4">
+            <a:extLst>
+              <a:ext uri="{FF2B5EF4-FFF2-40B4-BE49-F238E27FC236}">
+                <a16:creationId xmlns:a16="http://schemas.microsoft.com/office/drawing/2014/main" id="{2AF94824-9C2B-4AE5-BA0E-81C5F6927B08}"/>
+              </a:ext>
+            </a:extLst>
+          </p:cNvPr>
+          <p:cNvSpPr/>
+          <p:nvPr/>
+        </p:nvSpPr>
+        <p:spPr>
+          <a:xfrm>
+            <a:off x="0" y="0"/>
+            <a:ext cx="12192000" cy="6858000"/>
+          </a:xfrm>
+          <a:prstGeom prst="frame">
+            <a:avLst>
+              <a:gd name="adj1" fmla="val 2662"/>
+            </a:avLst>
+          </a:prstGeom>
+          <a:solidFill>
+            <a:schemeClr val="tx1">
+              <a:lumMod val="50000"/>
+              <a:lumOff val="50000"/>
+            </a:schemeClr>
+          </a:solidFill>
+          <a:ln>
+            <a:noFill/>
+          </a:ln>
+        </p:spPr>
+        <p:style>
+          <a:lnRef idx="2">
+            <a:schemeClr val="accent1">
+              <a:shade val="50000"/>
+            </a:schemeClr>
+          </a:lnRef>
+          <a:fillRef idx="1">
+            <a:schemeClr val="accent1"/>
+          </a:fillRef>
+          <a:effectRef idx="0">
+            <a:schemeClr val="accent1"/>
+          </a:effectRef>
+          <a:fontRef idx="minor">
+            <a:schemeClr val="lt1"/>
+          </a:fontRef>
+        </p:style>
+        <p:txBody>
+          <a:bodyPr rtlCol="0" anchor="ctr"/>
+          <a:lstStyle/>
+          <a:p>
+            <a:pPr algn="ctr"/>
+            <a:endParaRPr lang="ko-KR" altLang="en-US" dirty="0">
+              <a:solidFill>
+                <a:schemeClr val="tx1"/>
+              </a:solidFill>
+            </a:endParaRPr>
+          </a:p>
+        </p:txBody>
+      </p:sp>
+      <p:pic>
+        <p:nvPicPr>
+          <p:cNvPr id="9" name="그림 8">
+            <a:extLst>
+              <a:ext uri="{FF2B5EF4-FFF2-40B4-BE49-F238E27FC236}">
+                <a16:creationId xmlns:a16="http://schemas.microsoft.com/office/drawing/2014/main" id="{EF916122-3A8A-4111-BCB4-2EDF452B250E}"/>
+              </a:ext>
+            </a:extLst>
+          </p:cNvPr>
+          <p:cNvPicPr>
+            <a:picLocks noChangeAspect="1"/>
+          </p:cNvPicPr>
+          <p:nvPr/>
+        </p:nvPicPr>
+        <p:blipFill>
+          <a:blip r:embed="rId2">
+            <a:extLst>
+              <a:ext uri="{28A0092B-C50C-407E-A947-70E740481C1C}">
+                <a14:useLocalDpi xmlns:a14="http://schemas.microsoft.com/office/drawing/2010/main" val="0"/>
+              </a:ext>
+            </a:extLst>
+          </a:blip>
+          <a:stretch>
+            <a:fillRect/>
+          </a:stretch>
+        </p:blipFill>
+        <p:spPr>
+          <a:xfrm>
+            <a:off x="6096000" y="1027905"/>
+            <a:ext cx="5257800" cy="5213001"/>
+          </a:xfrm>
+          <a:prstGeom prst="rect">
+            <a:avLst/>
+          </a:prstGeom>
+        </p:spPr>
+      </p:pic>
+    </p:spTree>
+    <p:extLst>
+      <p:ext uri="{BB962C8B-B14F-4D97-AF65-F5344CB8AC3E}">
+        <p14:creationId xmlns:p14="http://schemas.microsoft.com/office/powerpoint/2010/main" val="2292924070"/>
       </p:ext>
     </p:extLst>
   </p:cSld>
@@ -7656,11 +7888,11 @@
           <a:p>
             <a:r>
               <a:rPr lang="en-US" altLang="ko-KR" dirty="0"/>
-              <a:t>3.	</a:t>
+              <a:t>4.	</a:t>
             </a:r>
             <a:r>
               <a:rPr lang="ko-KR" altLang="en-US" dirty="0"/>
-              <a:t>수행결과</a:t>
+              <a:t>코드분석</a:t>
             </a:r>
           </a:p>
         </p:txBody>
@@ -7681,7 +7913,12 @@
             <p:ph idx="1"/>
           </p:nvPr>
         </p:nvSpPr>
-        <p:spPr/>
+        <p:spPr>
+          <a:xfrm>
+            <a:off x="838200" y="1825625"/>
+            <a:ext cx="4807998" cy="4351338"/>
+          </a:xfrm>
+        </p:spPr>
         <p:txBody>
           <a:bodyPr>
             <a:normAutofit/>
@@ -7691,13 +7928,121 @@
             <a:pPr marL="457200" lvl="1" indent="0" fontAlgn="base">
               <a:buNone/>
             </a:pPr>
-            <a:endParaRPr lang="ko-KR" altLang="en-US" sz="2000" dirty="0"/>
+            <a:endParaRPr lang="en-US" altLang="ko-KR" sz="2000" dirty="0"/>
           </a:p>
           <a:p>
             <a:pPr marL="457200" lvl="1" indent="0" fontAlgn="base">
               <a:buNone/>
             </a:pPr>
-            <a:endParaRPr lang="ko-KR" altLang="en-US" dirty="0"/>
+            <a:r>
+              <a:rPr lang="ko-KR" altLang="en-US" sz="2000" dirty="0"/>
+              <a:t>주요 전역 변수 및 구조체</a:t>
+            </a:r>
+            <a:endParaRPr lang="en-US" altLang="ko-KR" sz="2000" dirty="0"/>
+          </a:p>
+          <a:p>
+            <a:pPr marL="457200" lvl="1" indent="0" fontAlgn="base">
+              <a:buNone/>
+            </a:pPr>
+            <a:endParaRPr lang="en-US" altLang="ko-KR" sz="2000" dirty="0"/>
+          </a:p>
+          <a:p>
+            <a:pPr marL="457200" lvl="1" indent="0" fontAlgn="base">
+              <a:buNone/>
+            </a:pPr>
+            <a:r>
+              <a:rPr lang="en-US" altLang="ko-KR" sz="2000" dirty="0" err="1"/>
+              <a:t>Crash_flag</a:t>
+            </a:r>
+            <a:r>
+              <a:rPr lang="ko-KR" altLang="en-US" sz="2000" dirty="0"/>
+              <a:t> </a:t>
+            </a:r>
+            <a:r>
+              <a:rPr lang="en-US" altLang="ko-KR" sz="2000" dirty="0"/>
+              <a:t>:</a:t>
+            </a:r>
+            <a:r>
+              <a:rPr lang="ko-KR" altLang="en-US" sz="2000" dirty="0"/>
+              <a:t> 충돌 판정이 일어나면 값이 </a:t>
+            </a:r>
+            <a:r>
+              <a:rPr lang="en-US" altLang="ko-KR" sz="2000" dirty="0"/>
+              <a:t>1</a:t>
+            </a:r>
+            <a:r>
+              <a:rPr lang="ko-KR" altLang="en-US" sz="2000" dirty="0"/>
+              <a:t>로 변경됨</a:t>
+            </a:r>
+            <a:endParaRPr lang="en-US" altLang="ko-KR" sz="2000" dirty="0"/>
+          </a:p>
+          <a:p>
+            <a:pPr marL="457200" lvl="1" indent="0" fontAlgn="base">
+              <a:buNone/>
+            </a:pPr>
+            <a:endParaRPr lang="en-US" altLang="ko-KR" sz="2000" dirty="0"/>
+          </a:p>
+          <a:p>
+            <a:pPr marL="457200" lvl="1" indent="0" fontAlgn="base">
+              <a:buNone/>
+            </a:pPr>
+            <a:r>
+              <a:rPr lang="en-US" altLang="ko-KR" sz="2000" dirty="0" err="1"/>
+              <a:t>Vill_num</a:t>
+            </a:r>
+            <a:r>
+              <a:rPr lang="en-US" altLang="ko-KR" sz="2000" dirty="0"/>
+              <a:t> : </a:t>
+            </a:r>
+            <a:r>
+              <a:rPr lang="ko-KR" altLang="en-US" sz="2000" dirty="0"/>
+              <a:t>화면 세로 크기를 </a:t>
+            </a:r>
+            <a:r>
+              <a:rPr lang="ko-KR" altLang="en-US" sz="2000" dirty="0" err="1"/>
+              <a:t>기준에따라</a:t>
+            </a:r>
+            <a:r>
+              <a:rPr lang="ko-KR" altLang="en-US" sz="2000" dirty="0"/>
+              <a:t> 악당의 수를 지정</a:t>
+            </a:r>
+            <a:endParaRPr lang="en-US" altLang="ko-KR" sz="2000" dirty="0"/>
+          </a:p>
+          <a:p>
+            <a:pPr marL="457200" lvl="1" indent="0" fontAlgn="base">
+              <a:buNone/>
+            </a:pPr>
+            <a:endParaRPr lang="en-US" altLang="ko-KR" sz="2000" dirty="0"/>
+          </a:p>
+          <a:p>
+            <a:pPr marL="457200" lvl="1" indent="0" fontAlgn="base">
+              <a:buNone/>
+            </a:pPr>
+            <a:r>
+              <a:rPr lang="en-US" altLang="ko-KR" sz="2000" dirty="0"/>
+              <a:t>Struct </a:t>
+            </a:r>
+            <a:r>
+              <a:rPr lang="en-US" altLang="ko-KR" sz="2000" dirty="0" err="1"/>
+              <a:t>villian</a:t>
+            </a:r>
+            <a:r>
+              <a:rPr lang="en-US" altLang="ko-KR" sz="2000" dirty="0"/>
+              <a:t> : </a:t>
+            </a:r>
+            <a:r>
+              <a:rPr lang="ko-KR" altLang="en-US" sz="2000" dirty="0"/>
+              <a:t>악당 하나를 지칭하는 구조체</a:t>
+            </a:r>
+            <a:r>
+              <a:rPr lang="en-US" altLang="ko-KR" sz="2000" dirty="0"/>
+              <a:t>. </a:t>
+            </a:r>
+            <a:r>
+              <a:rPr lang="ko-KR" altLang="en-US" sz="2000" dirty="0"/>
+              <a:t>현재 위치 값과 움직이는 방향 변수를 포함</a:t>
+            </a:r>
+            <a:endParaRPr lang="en-US" altLang="ko-KR" sz="2000" dirty="0"/>
           </a:p>
         </p:txBody>
       </p:sp>
@@ -7762,10 +8107,934 @@
           </a:p>
         </p:txBody>
       </p:sp>
+      <p:pic>
+        <p:nvPicPr>
+          <p:cNvPr id="6" name="그림 5">
+            <a:extLst>
+              <a:ext uri="{FF2B5EF4-FFF2-40B4-BE49-F238E27FC236}">
+                <a16:creationId xmlns:a16="http://schemas.microsoft.com/office/drawing/2014/main" id="{8E0E7094-C3BD-4EE1-9A48-D29BEBE39D18}"/>
+              </a:ext>
+            </a:extLst>
+          </p:cNvPr>
+          <p:cNvPicPr>
+            <a:picLocks noChangeAspect="1"/>
+          </p:cNvPicPr>
+          <p:nvPr/>
+        </p:nvPicPr>
+        <p:blipFill>
+          <a:blip r:embed="rId2">
+            <a:extLst>
+              <a:ext uri="{28A0092B-C50C-407E-A947-70E740481C1C}">
+                <a14:useLocalDpi xmlns:a14="http://schemas.microsoft.com/office/drawing/2010/main" val="0"/>
+              </a:ext>
+            </a:extLst>
+          </a:blip>
+          <a:stretch>
+            <a:fillRect/>
+          </a:stretch>
+        </p:blipFill>
+        <p:spPr>
+          <a:xfrm>
+            <a:off x="6096000" y="1740862"/>
+            <a:ext cx="5477431" cy="784927"/>
+          </a:xfrm>
+          <a:prstGeom prst="rect">
+            <a:avLst/>
+          </a:prstGeom>
+        </p:spPr>
+      </p:pic>
+      <p:pic>
+        <p:nvPicPr>
+          <p:cNvPr id="8" name="그림 7">
+            <a:extLst>
+              <a:ext uri="{FF2B5EF4-FFF2-40B4-BE49-F238E27FC236}">
+                <a16:creationId xmlns:a16="http://schemas.microsoft.com/office/drawing/2014/main" id="{FD0C3B43-D9E6-4FE3-8B98-2A95E34F75B5}"/>
+              </a:ext>
+            </a:extLst>
+          </p:cNvPr>
+          <p:cNvPicPr>
+            <a:picLocks noChangeAspect="1"/>
+          </p:cNvPicPr>
+          <p:nvPr/>
+        </p:nvPicPr>
+        <p:blipFill>
+          <a:blip r:embed="rId3">
+            <a:extLst>
+              <a:ext uri="{28A0092B-C50C-407E-A947-70E740481C1C}">
+                <a14:useLocalDpi xmlns:a14="http://schemas.microsoft.com/office/drawing/2010/main" val="0"/>
+              </a:ext>
+            </a:extLst>
+          </a:blip>
+          <a:stretch>
+            <a:fillRect/>
+          </a:stretch>
+        </p:blipFill>
+        <p:spPr>
+          <a:xfrm>
+            <a:off x="6298505" y="3160030"/>
+            <a:ext cx="5243065" cy="1323617"/>
+          </a:xfrm>
+          <a:prstGeom prst="rect">
+            <a:avLst/>
+          </a:prstGeom>
+        </p:spPr>
+      </p:pic>
+      <p:pic>
+        <p:nvPicPr>
+          <p:cNvPr id="11" name="그림 10">
+            <a:extLst>
+              <a:ext uri="{FF2B5EF4-FFF2-40B4-BE49-F238E27FC236}">
+                <a16:creationId xmlns:a16="http://schemas.microsoft.com/office/drawing/2014/main" id="{561E047B-6971-4CB2-B16B-223E081FFF94}"/>
+              </a:ext>
+            </a:extLst>
+          </p:cNvPr>
+          <p:cNvPicPr>
+            <a:picLocks noChangeAspect="1"/>
+          </p:cNvPicPr>
+          <p:nvPr/>
+        </p:nvPicPr>
+        <p:blipFill>
+          <a:blip r:embed="rId4">
+            <a:extLst>
+              <a:ext uri="{28A0092B-C50C-407E-A947-70E740481C1C}">
+                <a14:useLocalDpi xmlns:a14="http://schemas.microsoft.com/office/drawing/2010/main" val="0"/>
+              </a:ext>
+            </a:extLst>
+          </a:blip>
+          <a:stretch>
+            <a:fillRect/>
+          </a:stretch>
+        </p:blipFill>
+        <p:spPr>
+          <a:xfrm>
+            <a:off x="6298505" y="2600679"/>
+            <a:ext cx="5725789" cy="435483"/>
+          </a:xfrm>
+          <a:prstGeom prst="rect">
+            <a:avLst/>
+          </a:prstGeom>
+        </p:spPr>
+      </p:pic>
+    </p:spTree>
+    <p:extLst>
+      <p:ext uri="{BB962C8B-B14F-4D97-AF65-F5344CB8AC3E}">
+        <p14:creationId xmlns:p14="http://schemas.microsoft.com/office/powerpoint/2010/main" val="134171577"/>
+      </p:ext>
+    </p:extLst>
+  </p:cSld>
+  <p:clrMapOvr>
+    <a:masterClrMapping/>
+  </p:clrMapOvr>
+</p:sld>
+</file>
+
+<file path=ppt/slides/slide7.xml><?xml version="1.0" encoding="utf-8"?>
+<p:sld xmlns:a="http://schemas.openxmlformats.org/drawingml/2006/main" xmlns:r="http://schemas.openxmlformats.org/officeDocument/2006/relationships" xmlns:p="http://schemas.openxmlformats.org/presentationml/2006/main">
+  <p:cSld>
+    <p:spTree>
+      <p:nvGrpSpPr>
+        <p:cNvPr id="1" name=""/>
+        <p:cNvGrpSpPr/>
+        <p:nvPr/>
+      </p:nvGrpSpPr>
+      <p:grpSpPr>
+        <a:xfrm>
+          <a:off x="0" y="0"/>
+          <a:ext cx="0" cy="0"/>
+          <a:chOff x="0" y="0"/>
+          <a:chExt cx="0" cy="0"/>
+        </a:xfrm>
+      </p:grpSpPr>
+      <p:sp>
+        <p:nvSpPr>
+          <p:cNvPr id="2" name="제목 1">
+            <a:extLst>
+              <a:ext uri="{FF2B5EF4-FFF2-40B4-BE49-F238E27FC236}">
+                <a16:creationId xmlns:a16="http://schemas.microsoft.com/office/drawing/2014/main" id="{9E52036E-B327-40B0-9418-FDF87FD999A9}"/>
+              </a:ext>
+            </a:extLst>
+          </p:cNvPr>
+          <p:cNvSpPr>
+            <a:spLocks noGrp="1"/>
+          </p:cNvSpPr>
+          <p:nvPr>
+            <p:ph type="title"/>
+          </p:nvPr>
+        </p:nvSpPr>
+        <p:spPr/>
+        <p:txBody>
+          <a:bodyPr/>
+          <a:lstStyle/>
+          <a:p>
+            <a:r>
+              <a:rPr lang="en-US" altLang="ko-KR" dirty="0"/>
+              <a:t>4.	</a:t>
+            </a:r>
+            <a:r>
+              <a:rPr lang="ko-KR" altLang="en-US" dirty="0"/>
+              <a:t>코드분석</a:t>
+            </a:r>
+          </a:p>
+        </p:txBody>
+      </p:sp>
+      <p:sp>
+        <p:nvSpPr>
+          <p:cNvPr id="3" name="내용 개체 틀 2">
+            <a:extLst>
+              <a:ext uri="{FF2B5EF4-FFF2-40B4-BE49-F238E27FC236}">
+                <a16:creationId xmlns:a16="http://schemas.microsoft.com/office/drawing/2014/main" id="{E5482F94-4DB6-418D-9CD2-123AB64A3637}"/>
+              </a:ext>
+            </a:extLst>
+          </p:cNvPr>
+          <p:cNvSpPr>
+            <a:spLocks noGrp="1"/>
+          </p:cNvSpPr>
+          <p:nvPr>
+            <p:ph idx="1"/>
+          </p:nvPr>
+        </p:nvSpPr>
+        <p:spPr>
+          <a:xfrm>
+            <a:off x="838200" y="1825625"/>
+            <a:ext cx="4807998" cy="4351338"/>
+          </a:xfrm>
+        </p:spPr>
+        <p:txBody>
+          <a:bodyPr>
+            <a:normAutofit/>
+          </a:bodyPr>
+          <a:lstStyle/>
+          <a:p>
+            <a:pPr marL="457200" lvl="1" indent="0" fontAlgn="base">
+              <a:buNone/>
+            </a:pPr>
+            <a:endParaRPr lang="en-US" altLang="ko-KR" sz="2000" dirty="0"/>
+          </a:p>
+          <a:p>
+            <a:pPr marL="457200" lvl="1" indent="0" fontAlgn="base">
+              <a:buNone/>
+            </a:pPr>
+            <a:r>
+              <a:rPr lang="en-US" altLang="ko-KR" sz="2000" dirty="0" err="1"/>
+              <a:t>Move_man</a:t>
+            </a:r>
+            <a:r>
+              <a:rPr lang="en-US" altLang="ko-KR" sz="2000" dirty="0"/>
+              <a:t> </a:t>
+            </a:r>
+            <a:r>
+              <a:rPr lang="ko-KR" altLang="en-US" sz="2000" dirty="0"/>
+              <a:t>함수</a:t>
+            </a:r>
+            <a:endParaRPr lang="en-US" altLang="ko-KR" sz="2000" dirty="0"/>
+          </a:p>
+          <a:p>
+            <a:pPr marL="457200" lvl="1" indent="0" fontAlgn="base">
+              <a:buNone/>
+            </a:pPr>
+            <a:endParaRPr lang="en-US" altLang="ko-KR" sz="2000" dirty="0"/>
+          </a:p>
+          <a:p>
+            <a:pPr marL="457200" lvl="1" indent="0" fontAlgn="base">
+              <a:buNone/>
+            </a:pPr>
+            <a:r>
+              <a:rPr lang="ko-KR" altLang="en-US" sz="2000" dirty="0"/>
+              <a:t>사용자의 움직임을 키 스트로크 입력을 받는다</a:t>
+            </a:r>
+            <a:r>
+              <a:rPr lang="en-US" altLang="ko-KR" sz="2000" dirty="0"/>
+              <a:t>.(WASD)</a:t>
+            </a:r>
+          </a:p>
+          <a:p>
+            <a:pPr marL="457200" lvl="1" indent="0" fontAlgn="base">
+              <a:buNone/>
+            </a:pPr>
+            <a:endParaRPr lang="en-US" altLang="ko-KR" sz="2000" dirty="0"/>
+          </a:p>
+          <a:p>
+            <a:pPr marL="457200" lvl="1" indent="0" fontAlgn="base">
+              <a:buNone/>
+            </a:pPr>
+            <a:r>
+              <a:rPr lang="ko-KR" altLang="en-US" sz="2000" dirty="0"/>
+              <a:t>입력 받은 값을 아스키 코드로 해석한다</a:t>
+            </a:r>
+            <a:endParaRPr lang="en-US" altLang="ko-KR" sz="2000" dirty="0"/>
+          </a:p>
+          <a:p>
+            <a:pPr marL="457200" lvl="1" indent="0" fontAlgn="base">
+              <a:buNone/>
+            </a:pPr>
+            <a:endParaRPr lang="en-US" altLang="ko-KR" sz="2000" dirty="0"/>
+          </a:p>
+          <a:p>
+            <a:pPr marL="457200" lvl="1" indent="0" fontAlgn="base">
+              <a:buNone/>
+            </a:pPr>
+            <a:r>
+              <a:rPr lang="ko-KR" altLang="en-US" sz="2000" dirty="0"/>
+              <a:t>값에 따라 사용자의 </a:t>
+            </a:r>
+            <a:r>
+              <a:rPr lang="en-US" altLang="ko-KR" sz="2000" dirty="0"/>
+              <a:t>position</a:t>
+            </a:r>
+            <a:r>
+              <a:rPr lang="ko-KR" altLang="en-US" sz="2000" dirty="0"/>
+              <a:t>값을 수정하여 움직임을 지정한다</a:t>
+            </a:r>
+            <a:r>
+              <a:rPr lang="en-US" altLang="ko-KR" sz="2000" dirty="0"/>
+              <a:t>.</a:t>
+            </a:r>
+            <a:endParaRPr lang="ko-KR" altLang="en-US" sz="2000" dirty="0"/>
+          </a:p>
+        </p:txBody>
+      </p:sp>
+      <p:sp>
+        <p:nvSpPr>
+          <p:cNvPr id="5" name="액자 4">
+            <a:extLst>
+              <a:ext uri="{FF2B5EF4-FFF2-40B4-BE49-F238E27FC236}">
+                <a16:creationId xmlns:a16="http://schemas.microsoft.com/office/drawing/2014/main" id="{2AF94824-9C2B-4AE5-BA0E-81C5F6927B08}"/>
+              </a:ext>
+            </a:extLst>
+          </p:cNvPr>
+          <p:cNvSpPr/>
+          <p:nvPr/>
+        </p:nvSpPr>
+        <p:spPr>
+          <a:xfrm>
+            <a:off x="0" y="0"/>
+            <a:ext cx="12192000" cy="6858000"/>
+          </a:xfrm>
+          <a:prstGeom prst="frame">
+            <a:avLst>
+              <a:gd name="adj1" fmla="val 2662"/>
+            </a:avLst>
+          </a:prstGeom>
+          <a:solidFill>
+            <a:schemeClr val="tx1">
+              <a:lumMod val="50000"/>
+              <a:lumOff val="50000"/>
+            </a:schemeClr>
+          </a:solidFill>
+          <a:ln>
+            <a:noFill/>
+          </a:ln>
+        </p:spPr>
+        <p:style>
+          <a:lnRef idx="2">
+            <a:schemeClr val="accent1">
+              <a:shade val="50000"/>
+            </a:schemeClr>
+          </a:lnRef>
+          <a:fillRef idx="1">
+            <a:schemeClr val="accent1"/>
+          </a:fillRef>
+          <a:effectRef idx="0">
+            <a:schemeClr val="accent1"/>
+          </a:effectRef>
+          <a:fontRef idx="minor">
+            <a:schemeClr val="lt1"/>
+          </a:fontRef>
+        </p:style>
+        <p:txBody>
+          <a:bodyPr rtlCol="0" anchor="ctr"/>
+          <a:lstStyle/>
+          <a:p>
+            <a:pPr algn="ctr"/>
+            <a:endParaRPr lang="ko-KR" altLang="en-US" dirty="0">
+              <a:solidFill>
+                <a:schemeClr val="tx1"/>
+              </a:solidFill>
+            </a:endParaRPr>
+          </a:p>
+        </p:txBody>
+      </p:sp>
+      <p:pic>
+        <p:nvPicPr>
+          <p:cNvPr id="6" name="그림 5">
+            <a:extLst>
+              <a:ext uri="{FF2B5EF4-FFF2-40B4-BE49-F238E27FC236}">
+                <a16:creationId xmlns:a16="http://schemas.microsoft.com/office/drawing/2014/main" id="{BC266D6D-48F2-4E66-9D45-0273810DCCBE}"/>
+              </a:ext>
+            </a:extLst>
+          </p:cNvPr>
+          <p:cNvPicPr>
+            <a:picLocks noChangeAspect="1"/>
+          </p:cNvPicPr>
+          <p:nvPr/>
+        </p:nvPicPr>
+        <p:blipFill>
+          <a:blip r:embed="rId2">
+            <a:extLst>
+              <a:ext uri="{28A0092B-C50C-407E-A947-70E740481C1C}">
+                <a14:useLocalDpi xmlns:a14="http://schemas.microsoft.com/office/drawing/2010/main" val="0"/>
+              </a:ext>
+            </a:extLst>
+          </a:blip>
+          <a:stretch>
+            <a:fillRect/>
+          </a:stretch>
+        </p:blipFill>
+        <p:spPr>
+          <a:xfrm>
+            <a:off x="6467474" y="563456"/>
+            <a:ext cx="5153025" cy="5731088"/>
+          </a:xfrm>
+          <a:prstGeom prst="rect">
+            <a:avLst/>
+          </a:prstGeom>
+        </p:spPr>
+      </p:pic>
     </p:spTree>
     <p:extLst>
       <p:ext uri="{BB962C8B-B14F-4D97-AF65-F5344CB8AC3E}">
         <p14:creationId xmlns:p14="http://schemas.microsoft.com/office/powerpoint/2010/main" val="2837093309"/>
+      </p:ext>
+    </p:extLst>
+  </p:cSld>
+  <p:clrMapOvr>
+    <a:masterClrMapping/>
+  </p:clrMapOvr>
+</p:sld>
+</file>
+
+<file path=ppt/slides/slide8.xml><?xml version="1.0" encoding="utf-8"?>
+<p:sld xmlns:a="http://schemas.openxmlformats.org/drawingml/2006/main" xmlns:r="http://schemas.openxmlformats.org/officeDocument/2006/relationships" xmlns:p="http://schemas.openxmlformats.org/presentationml/2006/main">
+  <p:cSld>
+    <p:spTree>
+      <p:nvGrpSpPr>
+        <p:cNvPr id="1" name=""/>
+        <p:cNvGrpSpPr/>
+        <p:nvPr/>
+      </p:nvGrpSpPr>
+      <p:grpSpPr>
+        <a:xfrm>
+          <a:off x="0" y="0"/>
+          <a:ext cx="0" cy="0"/>
+          <a:chOff x="0" y="0"/>
+          <a:chExt cx="0" cy="0"/>
+        </a:xfrm>
+      </p:grpSpPr>
+      <p:sp>
+        <p:nvSpPr>
+          <p:cNvPr id="2" name="제목 1">
+            <a:extLst>
+              <a:ext uri="{FF2B5EF4-FFF2-40B4-BE49-F238E27FC236}">
+                <a16:creationId xmlns:a16="http://schemas.microsoft.com/office/drawing/2014/main" id="{9E52036E-B327-40B0-9418-FDF87FD999A9}"/>
+              </a:ext>
+            </a:extLst>
+          </p:cNvPr>
+          <p:cNvSpPr>
+            <a:spLocks noGrp="1"/>
+          </p:cNvSpPr>
+          <p:nvPr>
+            <p:ph type="title"/>
+          </p:nvPr>
+        </p:nvSpPr>
+        <p:spPr/>
+        <p:txBody>
+          <a:bodyPr/>
+          <a:lstStyle/>
+          <a:p>
+            <a:r>
+              <a:rPr lang="en-US" altLang="ko-KR" dirty="0"/>
+              <a:t>4.	</a:t>
+            </a:r>
+            <a:r>
+              <a:rPr lang="ko-KR" altLang="en-US" dirty="0"/>
+              <a:t>코드분석</a:t>
+            </a:r>
+          </a:p>
+        </p:txBody>
+      </p:sp>
+      <p:sp>
+        <p:nvSpPr>
+          <p:cNvPr id="3" name="내용 개체 틀 2">
+            <a:extLst>
+              <a:ext uri="{FF2B5EF4-FFF2-40B4-BE49-F238E27FC236}">
+                <a16:creationId xmlns:a16="http://schemas.microsoft.com/office/drawing/2014/main" id="{E5482F94-4DB6-418D-9CD2-123AB64A3637}"/>
+              </a:ext>
+            </a:extLst>
+          </p:cNvPr>
+          <p:cNvSpPr>
+            <a:spLocks noGrp="1"/>
+          </p:cNvSpPr>
+          <p:nvPr>
+            <p:ph idx="1"/>
+          </p:nvPr>
+        </p:nvSpPr>
+        <p:spPr>
+          <a:xfrm>
+            <a:off x="838200" y="1825625"/>
+            <a:ext cx="4807998" cy="4351338"/>
+          </a:xfrm>
+        </p:spPr>
+        <p:txBody>
+          <a:bodyPr>
+            <a:normAutofit/>
+          </a:bodyPr>
+          <a:lstStyle/>
+          <a:p>
+            <a:pPr marL="457200" lvl="1" indent="0" fontAlgn="base">
+              <a:buNone/>
+            </a:pPr>
+            <a:endParaRPr lang="en-US" altLang="ko-KR" sz="2000" dirty="0"/>
+          </a:p>
+          <a:p>
+            <a:pPr marL="457200" lvl="1" indent="0" fontAlgn="base">
+              <a:buNone/>
+            </a:pPr>
+            <a:r>
+              <a:rPr lang="en-US" altLang="ko-KR" sz="2000" dirty="0" err="1"/>
+              <a:t>draw_villians</a:t>
+            </a:r>
+            <a:r>
+              <a:rPr lang="en-US" altLang="ko-KR" sz="2000" dirty="0"/>
+              <a:t> </a:t>
+            </a:r>
+            <a:r>
+              <a:rPr lang="ko-KR" altLang="en-US" sz="2000" dirty="0"/>
+              <a:t>함수</a:t>
+            </a:r>
+            <a:endParaRPr lang="en-US" altLang="ko-KR" sz="2000" dirty="0"/>
+          </a:p>
+          <a:p>
+            <a:pPr marL="457200" lvl="1" indent="0" fontAlgn="base">
+              <a:buNone/>
+            </a:pPr>
+            <a:endParaRPr lang="en-US" altLang="ko-KR" sz="2000" dirty="0"/>
+          </a:p>
+          <a:p>
+            <a:pPr marL="457200" lvl="1" indent="0" fontAlgn="base">
+              <a:buNone/>
+            </a:pPr>
+            <a:endParaRPr lang="en-US" altLang="ko-KR" sz="2000" dirty="0"/>
+          </a:p>
+          <a:p>
+            <a:pPr marL="457200" lvl="1" indent="0" fontAlgn="base">
+              <a:buNone/>
+            </a:pPr>
+            <a:r>
+              <a:rPr lang="en-US" altLang="ko-KR" sz="2000" dirty="0" err="1"/>
+              <a:t>Vils</a:t>
+            </a:r>
+            <a:r>
+              <a:rPr lang="ko-KR" altLang="en-US" sz="2000" dirty="0"/>
+              <a:t>구조체 변수에 있는 악당들의 초기 위치를 랜덤으로 생성</a:t>
+            </a:r>
+            <a:endParaRPr lang="en-US" altLang="ko-KR" sz="2000" dirty="0"/>
+          </a:p>
+          <a:p>
+            <a:pPr marL="457200" lvl="1" indent="0" fontAlgn="base">
+              <a:buNone/>
+            </a:pPr>
+            <a:endParaRPr lang="en-US" altLang="ko-KR" sz="2000" dirty="0"/>
+          </a:p>
+          <a:p>
+            <a:pPr marL="457200" lvl="1" indent="0" fontAlgn="base">
+              <a:buNone/>
+            </a:pPr>
+            <a:r>
+              <a:rPr lang="en-US" altLang="ko-KR" sz="2000" dirty="0"/>
+              <a:t>Flag</a:t>
+            </a:r>
+            <a:r>
+              <a:rPr lang="ko-KR" altLang="en-US" sz="2000" dirty="0"/>
+              <a:t>변수도 랜덤으로 받아서 악당들이 움직이는 방향을 설정</a:t>
+            </a:r>
+          </a:p>
+        </p:txBody>
+      </p:sp>
+      <p:sp>
+        <p:nvSpPr>
+          <p:cNvPr id="5" name="액자 4">
+            <a:extLst>
+              <a:ext uri="{FF2B5EF4-FFF2-40B4-BE49-F238E27FC236}">
+                <a16:creationId xmlns:a16="http://schemas.microsoft.com/office/drawing/2014/main" id="{2AF94824-9C2B-4AE5-BA0E-81C5F6927B08}"/>
+              </a:ext>
+            </a:extLst>
+          </p:cNvPr>
+          <p:cNvSpPr/>
+          <p:nvPr/>
+        </p:nvSpPr>
+        <p:spPr>
+          <a:xfrm>
+            <a:off x="0" y="0"/>
+            <a:ext cx="12192000" cy="6858000"/>
+          </a:xfrm>
+          <a:prstGeom prst="frame">
+            <a:avLst>
+              <a:gd name="adj1" fmla="val 2662"/>
+            </a:avLst>
+          </a:prstGeom>
+          <a:solidFill>
+            <a:schemeClr val="tx1">
+              <a:lumMod val="50000"/>
+              <a:lumOff val="50000"/>
+            </a:schemeClr>
+          </a:solidFill>
+          <a:ln>
+            <a:noFill/>
+          </a:ln>
+        </p:spPr>
+        <p:style>
+          <a:lnRef idx="2">
+            <a:schemeClr val="accent1">
+              <a:shade val="50000"/>
+            </a:schemeClr>
+          </a:lnRef>
+          <a:fillRef idx="1">
+            <a:schemeClr val="accent1"/>
+          </a:fillRef>
+          <a:effectRef idx="0">
+            <a:schemeClr val="accent1"/>
+          </a:effectRef>
+          <a:fontRef idx="minor">
+            <a:schemeClr val="lt1"/>
+          </a:fontRef>
+        </p:style>
+        <p:txBody>
+          <a:bodyPr rtlCol="0" anchor="ctr"/>
+          <a:lstStyle/>
+          <a:p>
+            <a:pPr algn="ctr"/>
+            <a:endParaRPr lang="ko-KR" altLang="en-US" dirty="0">
+              <a:solidFill>
+                <a:schemeClr val="tx1"/>
+              </a:solidFill>
+            </a:endParaRPr>
+          </a:p>
+        </p:txBody>
+      </p:sp>
+      <p:pic>
+        <p:nvPicPr>
+          <p:cNvPr id="11" name="그림 10">
+            <a:extLst>
+              <a:ext uri="{FF2B5EF4-FFF2-40B4-BE49-F238E27FC236}">
+                <a16:creationId xmlns:a16="http://schemas.microsoft.com/office/drawing/2014/main" id="{EA9089CF-F812-4502-9D24-15EFD2246177}"/>
+              </a:ext>
+            </a:extLst>
+          </p:cNvPr>
+          <p:cNvPicPr>
+            <a:picLocks noChangeAspect="1"/>
+          </p:cNvPicPr>
+          <p:nvPr/>
+        </p:nvPicPr>
+        <p:blipFill>
+          <a:blip r:embed="rId2">
+            <a:extLst>
+              <a:ext uri="{28A0092B-C50C-407E-A947-70E740481C1C}">
+                <a14:useLocalDpi xmlns:a14="http://schemas.microsoft.com/office/drawing/2010/main" val="0"/>
+              </a:ext>
+            </a:extLst>
+          </a:blip>
+          <a:stretch>
+            <a:fillRect/>
+          </a:stretch>
+        </p:blipFill>
+        <p:spPr>
+          <a:xfrm>
+            <a:off x="6168211" y="1027906"/>
+            <a:ext cx="5604689" cy="5120482"/>
+          </a:xfrm>
+          <a:prstGeom prst="rect">
+            <a:avLst/>
+          </a:prstGeom>
+        </p:spPr>
+      </p:pic>
+    </p:spTree>
+    <p:extLst>
+      <p:ext uri="{BB962C8B-B14F-4D97-AF65-F5344CB8AC3E}">
+        <p14:creationId xmlns:p14="http://schemas.microsoft.com/office/powerpoint/2010/main" val="3872700338"/>
+      </p:ext>
+    </p:extLst>
+  </p:cSld>
+  <p:clrMapOvr>
+    <a:masterClrMapping/>
+  </p:clrMapOvr>
+</p:sld>
+</file>
+
+<file path=ppt/slides/slide9.xml><?xml version="1.0" encoding="utf-8"?>
+<p:sld xmlns:a="http://schemas.openxmlformats.org/drawingml/2006/main" xmlns:r="http://schemas.openxmlformats.org/officeDocument/2006/relationships" xmlns:p="http://schemas.openxmlformats.org/presentationml/2006/main">
+  <p:cSld>
+    <p:spTree>
+      <p:nvGrpSpPr>
+        <p:cNvPr id="1" name=""/>
+        <p:cNvGrpSpPr/>
+        <p:nvPr/>
+      </p:nvGrpSpPr>
+      <p:grpSpPr>
+        <a:xfrm>
+          <a:off x="0" y="0"/>
+          <a:ext cx="0" cy="0"/>
+          <a:chOff x="0" y="0"/>
+          <a:chExt cx="0" cy="0"/>
+        </a:xfrm>
+      </p:grpSpPr>
+      <p:sp>
+        <p:nvSpPr>
+          <p:cNvPr id="2" name="제목 1">
+            <a:extLst>
+              <a:ext uri="{FF2B5EF4-FFF2-40B4-BE49-F238E27FC236}">
+                <a16:creationId xmlns:a16="http://schemas.microsoft.com/office/drawing/2014/main" id="{9E52036E-B327-40B0-9418-FDF87FD999A9}"/>
+              </a:ext>
+            </a:extLst>
+          </p:cNvPr>
+          <p:cNvSpPr>
+            <a:spLocks noGrp="1"/>
+          </p:cNvSpPr>
+          <p:nvPr>
+            <p:ph type="title"/>
+          </p:nvPr>
+        </p:nvSpPr>
+        <p:spPr/>
+        <p:txBody>
+          <a:bodyPr/>
+          <a:lstStyle/>
+          <a:p>
+            <a:r>
+              <a:rPr lang="en-US" altLang="ko-KR" dirty="0"/>
+              <a:t>4.	</a:t>
+            </a:r>
+            <a:r>
+              <a:rPr lang="ko-KR" altLang="en-US" dirty="0"/>
+              <a:t>코드분석</a:t>
+            </a:r>
+          </a:p>
+        </p:txBody>
+      </p:sp>
+      <p:sp>
+        <p:nvSpPr>
+          <p:cNvPr id="3" name="내용 개체 틀 2">
+            <a:extLst>
+              <a:ext uri="{FF2B5EF4-FFF2-40B4-BE49-F238E27FC236}">
+                <a16:creationId xmlns:a16="http://schemas.microsoft.com/office/drawing/2014/main" id="{E5482F94-4DB6-418D-9CD2-123AB64A3637}"/>
+              </a:ext>
+            </a:extLst>
+          </p:cNvPr>
+          <p:cNvSpPr>
+            <a:spLocks noGrp="1"/>
+          </p:cNvSpPr>
+          <p:nvPr>
+            <p:ph idx="1"/>
+          </p:nvPr>
+        </p:nvSpPr>
+        <p:spPr>
+          <a:xfrm>
+            <a:off x="838200" y="1825625"/>
+            <a:ext cx="4807998" cy="4351338"/>
+          </a:xfrm>
+        </p:spPr>
+        <p:txBody>
+          <a:bodyPr>
+            <a:normAutofit/>
+          </a:bodyPr>
+          <a:lstStyle/>
+          <a:p>
+            <a:pPr marL="457200" lvl="1" indent="0" fontAlgn="base">
+              <a:buNone/>
+            </a:pPr>
+            <a:endParaRPr lang="en-US" altLang="ko-KR" sz="2000" dirty="0"/>
+          </a:p>
+          <a:p>
+            <a:pPr marL="457200" lvl="1" indent="0" fontAlgn="base">
+              <a:buNone/>
+            </a:pPr>
+            <a:r>
+              <a:rPr lang="en-US" altLang="ko-KR" sz="2000" dirty="0"/>
+              <a:t>P1_function </a:t>
+            </a:r>
+            <a:r>
+              <a:rPr lang="ko-KR" altLang="en-US" sz="2000" dirty="0"/>
+              <a:t>함수</a:t>
+            </a:r>
+            <a:endParaRPr lang="en-US" altLang="ko-KR" sz="2000" dirty="0"/>
+          </a:p>
+          <a:p>
+            <a:pPr marL="457200" lvl="1" indent="0" fontAlgn="base">
+              <a:buNone/>
+            </a:pPr>
+            <a:endParaRPr lang="en-US" altLang="ko-KR" sz="2000" dirty="0"/>
+          </a:p>
+          <a:p>
+            <a:pPr marL="457200" lvl="1" indent="0" fontAlgn="base">
+              <a:buNone/>
+            </a:pPr>
+            <a:r>
+              <a:rPr lang="ko-KR" altLang="en-US" sz="2000" dirty="0"/>
+              <a:t>무한 </a:t>
+            </a:r>
+            <a:r>
+              <a:rPr lang="ko-KR" altLang="en-US" sz="2000" dirty="0" err="1"/>
+              <a:t>반복문</a:t>
+            </a:r>
+            <a:r>
+              <a:rPr lang="ko-KR" altLang="en-US" sz="2000" dirty="0"/>
+              <a:t> 맨 처음에는 </a:t>
+            </a:r>
+            <a:r>
+              <a:rPr lang="en-US" altLang="ko-KR" sz="2000" dirty="0" err="1"/>
+              <a:t>crash_flag</a:t>
+            </a:r>
+            <a:r>
+              <a:rPr lang="ko-KR" altLang="en-US" sz="2000" dirty="0"/>
+              <a:t>값을 검사하는 조건문으로 주인공과 악당의 충돌여부를 판정하여 충돌 시 </a:t>
+            </a:r>
+            <a:r>
+              <a:rPr lang="en-US" altLang="ko-KR" sz="2000" dirty="0"/>
+              <a:t>thread </a:t>
+            </a:r>
+            <a:r>
+              <a:rPr lang="ko-KR" altLang="en-US" sz="2000" dirty="0"/>
+              <a:t>종료</a:t>
+            </a:r>
+            <a:endParaRPr lang="en-US" altLang="ko-KR" sz="2000" dirty="0"/>
+          </a:p>
+          <a:p>
+            <a:pPr marL="457200" lvl="1" indent="0" fontAlgn="base">
+              <a:buNone/>
+            </a:pPr>
+            <a:endParaRPr lang="en-US" altLang="ko-KR" sz="2000" dirty="0"/>
+          </a:p>
+          <a:p>
+            <a:pPr marL="457200" lvl="1" indent="0" fontAlgn="base">
+              <a:buNone/>
+            </a:pPr>
+            <a:r>
+              <a:rPr lang="en-US" altLang="ko-KR" sz="2000" dirty="0"/>
+              <a:t>T</a:t>
+            </a:r>
+            <a:r>
+              <a:rPr lang="ko-KR" altLang="en-US" sz="2000" dirty="0"/>
+              <a:t>값은 시간 값으로</a:t>
+            </a:r>
+            <a:r>
+              <a:rPr lang="en-US" altLang="ko-KR" sz="2000" dirty="0"/>
+              <a:t>, </a:t>
+            </a:r>
+            <a:r>
+              <a:rPr lang="ko-KR" altLang="en-US" sz="2000" dirty="0"/>
+              <a:t>특정 시간이 지날 때마다 스테이지 변화가 일어나면서 속도가 </a:t>
+            </a:r>
+            <a:r>
+              <a:rPr lang="ko-KR" altLang="en-US" sz="2000" dirty="0" err="1"/>
+              <a:t>빨라짐</a:t>
+            </a:r>
+            <a:r>
+              <a:rPr lang="en-US" altLang="ko-KR" sz="2000" dirty="0"/>
+              <a:t>.</a:t>
+            </a:r>
+            <a:endParaRPr lang="ko-KR" altLang="en-US" sz="2000" dirty="0"/>
+          </a:p>
+        </p:txBody>
+      </p:sp>
+      <p:sp>
+        <p:nvSpPr>
+          <p:cNvPr id="5" name="액자 4">
+            <a:extLst>
+              <a:ext uri="{FF2B5EF4-FFF2-40B4-BE49-F238E27FC236}">
+                <a16:creationId xmlns:a16="http://schemas.microsoft.com/office/drawing/2014/main" id="{2AF94824-9C2B-4AE5-BA0E-81C5F6927B08}"/>
+              </a:ext>
+            </a:extLst>
+          </p:cNvPr>
+          <p:cNvSpPr/>
+          <p:nvPr/>
+        </p:nvSpPr>
+        <p:spPr>
+          <a:xfrm>
+            <a:off x="0" y="0"/>
+            <a:ext cx="12192000" cy="6858000"/>
+          </a:xfrm>
+          <a:prstGeom prst="frame">
+            <a:avLst>
+              <a:gd name="adj1" fmla="val 2662"/>
+            </a:avLst>
+          </a:prstGeom>
+          <a:solidFill>
+            <a:schemeClr val="tx1">
+              <a:lumMod val="50000"/>
+              <a:lumOff val="50000"/>
+            </a:schemeClr>
+          </a:solidFill>
+          <a:ln>
+            <a:noFill/>
+          </a:ln>
+        </p:spPr>
+        <p:style>
+          <a:lnRef idx="2">
+            <a:schemeClr val="accent1">
+              <a:shade val="50000"/>
+            </a:schemeClr>
+          </a:lnRef>
+          <a:fillRef idx="1">
+            <a:schemeClr val="accent1"/>
+          </a:fillRef>
+          <a:effectRef idx="0">
+            <a:schemeClr val="accent1"/>
+          </a:effectRef>
+          <a:fontRef idx="minor">
+            <a:schemeClr val="lt1"/>
+          </a:fontRef>
+        </p:style>
+        <p:txBody>
+          <a:bodyPr rtlCol="0" anchor="ctr"/>
+          <a:lstStyle/>
+          <a:p>
+            <a:pPr algn="ctr"/>
+            <a:endParaRPr lang="ko-KR" altLang="en-US" dirty="0">
+              <a:solidFill>
+                <a:schemeClr val="tx1"/>
+              </a:solidFill>
+            </a:endParaRPr>
+          </a:p>
+        </p:txBody>
+      </p:sp>
+      <p:pic>
+        <p:nvPicPr>
+          <p:cNvPr id="6" name="그림 5">
+            <a:extLst>
+              <a:ext uri="{FF2B5EF4-FFF2-40B4-BE49-F238E27FC236}">
+                <a16:creationId xmlns:a16="http://schemas.microsoft.com/office/drawing/2014/main" id="{5D5C807B-C090-4940-9AC2-113BF7F1063C}"/>
+              </a:ext>
+            </a:extLst>
+          </p:cNvPr>
+          <p:cNvPicPr>
+            <a:picLocks noChangeAspect="1"/>
+          </p:cNvPicPr>
+          <p:nvPr/>
+        </p:nvPicPr>
+        <p:blipFill>
+          <a:blip r:embed="rId2">
+            <a:extLst>
+              <a:ext uri="{28A0092B-C50C-407E-A947-70E740481C1C}">
+                <a14:useLocalDpi xmlns:a14="http://schemas.microsoft.com/office/drawing/2010/main" val="0"/>
+              </a:ext>
+            </a:extLst>
+          </a:blip>
+          <a:stretch>
+            <a:fillRect/>
+          </a:stretch>
+        </p:blipFill>
+        <p:spPr>
+          <a:xfrm>
+            <a:off x="6096000" y="1027906"/>
+            <a:ext cx="5429249" cy="5315744"/>
+          </a:xfrm>
+          <a:prstGeom prst="rect">
+            <a:avLst/>
+          </a:prstGeom>
+        </p:spPr>
+      </p:pic>
+    </p:spTree>
+    <p:extLst>
+      <p:ext uri="{BB962C8B-B14F-4D97-AF65-F5344CB8AC3E}">
+        <p14:creationId xmlns:p14="http://schemas.microsoft.com/office/powerpoint/2010/main" val="25406390"/>
       </p:ext>
     </p:extLst>
   </p:cSld>
